--- a/THIẾT KẾ BANNER.pptx
+++ b/THIẾT KẾ BANNER.pptx
@@ -6,17 +6,18 @@
   </p:sldMasterIdLst>
   <p:sldIdLst>
     <p:sldId id="256" r:id="rId2"/>
-    <p:sldId id="257" r:id="rId3"/>
-    <p:sldId id="258" r:id="rId4"/>
-    <p:sldId id="259" r:id="rId5"/>
-    <p:sldId id="260" r:id="rId6"/>
-    <p:sldId id="261" r:id="rId7"/>
-    <p:sldId id="262" r:id="rId8"/>
-    <p:sldId id="263" r:id="rId9"/>
-    <p:sldId id="264" r:id="rId10"/>
-    <p:sldId id="265" r:id="rId11"/>
-    <p:sldId id="266" r:id="rId12"/>
-    <p:sldId id="267" r:id="rId13"/>
+    <p:sldId id="268" r:id="rId3"/>
+    <p:sldId id="257" r:id="rId4"/>
+    <p:sldId id="258" r:id="rId5"/>
+    <p:sldId id="259" r:id="rId6"/>
+    <p:sldId id="260" r:id="rId7"/>
+    <p:sldId id="261" r:id="rId8"/>
+    <p:sldId id="262" r:id="rId9"/>
+    <p:sldId id="263" r:id="rId10"/>
+    <p:sldId id="264" r:id="rId11"/>
+    <p:sldId id="265" r:id="rId12"/>
+    <p:sldId id="266" r:id="rId13"/>
+    <p:sldId id="267" r:id="rId14"/>
   </p:sldIdLst>
   <p:sldSz cx="12192000" cy="6858000"/>
   <p:notesSz cx="6858000" cy="9144000"/>
@@ -115,6 +116,11 @@
       </a:defRPr>
     </a:lvl9pPr>
   </p:defaultTextStyle>
+  <p:extLst>
+    <p:ext uri="{EFAFB233-063F-42B5-8137-9DF3F51BA10A}">
+      <p15:sldGuideLst xmlns:p15="http://schemas.microsoft.com/office/powerpoint/2012/main"/>
+    </p:ext>
+  </p:extLst>
 </p:presentation>
 </file>
 
@@ -265,7 +271,7 @@
           <a:p>
             <a:fld id="{78F1B958-4B67-4419-8296-1FCB0C2B0E0E}" type="datetimeFigureOut">
               <a:rPr lang="en-US" smtClean="0"/>
-              <a:t>23/08/2024</a:t>
+              <a:t>29/08/2024</a:t>
             </a:fld>
             <a:endParaRPr lang="en-US"/>
           </a:p>
@@ -463,7 +469,7 @@
           <a:p>
             <a:fld id="{78F1B958-4B67-4419-8296-1FCB0C2B0E0E}" type="datetimeFigureOut">
               <a:rPr lang="en-US" smtClean="0"/>
-              <a:t>23/08/2024</a:t>
+              <a:t>29/08/2024</a:t>
             </a:fld>
             <a:endParaRPr lang="en-US"/>
           </a:p>
@@ -671,7 +677,7 @@
           <a:p>
             <a:fld id="{78F1B958-4B67-4419-8296-1FCB0C2B0E0E}" type="datetimeFigureOut">
               <a:rPr lang="en-US" smtClean="0"/>
-              <a:t>23/08/2024</a:t>
+              <a:t>29/08/2024</a:t>
             </a:fld>
             <a:endParaRPr lang="en-US"/>
           </a:p>
@@ -869,7 +875,7 @@
           <a:p>
             <a:fld id="{78F1B958-4B67-4419-8296-1FCB0C2B0E0E}" type="datetimeFigureOut">
               <a:rPr lang="en-US" smtClean="0"/>
-              <a:t>23/08/2024</a:t>
+              <a:t>29/08/2024</a:t>
             </a:fld>
             <a:endParaRPr lang="en-US"/>
           </a:p>
@@ -1144,7 +1150,7 @@
           <a:p>
             <a:fld id="{78F1B958-4B67-4419-8296-1FCB0C2B0E0E}" type="datetimeFigureOut">
               <a:rPr lang="en-US" smtClean="0"/>
-              <a:t>23/08/2024</a:t>
+              <a:t>29/08/2024</a:t>
             </a:fld>
             <a:endParaRPr lang="en-US"/>
           </a:p>
@@ -1409,7 +1415,7 @@
           <a:p>
             <a:fld id="{78F1B958-4B67-4419-8296-1FCB0C2B0E0E}" type="datetimeFigureOut">
               <a:rPr lang="en-US" smtClean="0"/>
-              <a:t>23/08/2024</a:t>
+              <a:t>29/08/2024</a:t>
             </a:fld>
             <a:endParaRPr lang="en-US"/>
           </a:p>
@@ -1821,7 +1827,7 @@
           <a:p>
             <a:fld id="{78F1B958-4B67-4419-8296-1FCB0C2B0E0E}" type="datetimeFigureOut">
               <a:rPr lang="en-US" smtClean="0"/>
-              <a:t>23/08/2024</a:t>
+              <a:t>29/08/2024</a:t>
             </a:fld>
             <a:endParaRPr lang="en-US"/>
           </a:p>
@@ -1962,7 +1968,7 @@
           <a:p>
             <a:fld id="{78F1B958-4B67-4419-8296-1FCB0C2B0E0E}" type="datetimeFigureOut">
               <a:rPr lang="en-US" smtClean="0"/>
-              <a:t>23/08/2024</a:t>
+              <a:t>29/08/2024</a:t>
             </a:fld>
             <a:endParaRPr lang="en-US"/>
           </a:p>
@@ -2075,7 +2081,7 @@
           <a:p>
             <a:fld id="{78F1B958-4B67-4419-8296-1FCB0C2B0E0E}" type="datetimeFigureOut">
               <a:rPr lang="en-US" smtClean="0"/>
-              <a:t>23/08/2024</a:t>
+              <a:t>29/08/2024</a:t>
             </a:fld>
             <a:endParaRPr lang="en-US"/>
           </a:p>
@@ -2386,7 +2392,7 @@
           <a:p>
             <a:fld id="{78F1B958-4B67-4419-8296-1FCB0C2B0E0E}" type="datetimeFigureOut">
               <a:rPr lang="en-US" smtClean="0"/>
-              <a:t>23/08/2024</a:t>
+              <a:t>29/08/2024</a:t>
             </a:fld>
             <a:endParaRPr lang="en-US"/>
           </a:p>
@@ -2674,7 +2680,7 @@
           <a:p>
             <a:fld id="{78F1B958-4B67-4419-8296-1FCB0C2B0E0E}" type="datetimeFigureOut">
               <a:rPr lang="en-US" smtClean="0"/>
-              <a:t>23/08/2024</a:t>
+              <a:t>29/08/2024</a:t>
             </a:fld>
             <a:endParaRPr lang="en-US"/>
           </a:p>
@@ -2915,7 +2921,7 @@
           <a:p>
             <a:fld id="{78F1B958-4B67-4419-8296-1FCB0C2B0E0E}" type="datetimeFigureOut">
               <a:rPr lang="en-US" smtClean="0"/>
-              <a:t>23/08/2024</a:t>
+              <a:t>29/08/2024</a:t>
             </a:fld>
             <a:endParaRPr lang="en-US"/>
           </a:p>
@@ -3389,7 +3395,10 @@
           <a:bodyPr/>
           <a:lstStyle/>
           <a:p>
-            <a:endParaRPr lang="en-US"/>
+            <a:r>
+              <a:rPr lang="en-US"/>
+              <a:t>Link học: https://www.youtube.com/watch?v=j-iGbWx3Viw&amp;list=PLG08Busv5AEywsEw2VWDgjiys9hQEdv6Q&amp;index=3</a:t>
+            </a:r>
           </a:p>
         </p:txBody>
       </p:sp>
@@ -3428,7 +3437,7 @@
           <p:cNvPr id="2" name="Title 1">
             <a:extLst>
               <a:ext uri="{FF2B5EF4-FFF2-40B4-BE49-F238E27FC236}">
-                <a16:creationId xmlns:a16="http://schemas.microsoft.com/office/drawing/2014/main" id="{3A6D0368-097E-4605-96F4-6DE92F6DA6C0}"/>
+                <a16:creationId xmlns:a16="http://schemas.microsoft.com/office/drawing/2014/main" id="{456E904C-79DB-432E-B6A7-47326D57B015}"/>
               </a:ext>
             </a:extLst>
           </p:cNvPr>
@@ -3453,7 +3462,7 @@
           <p:cNvPr id="3" name="Content Placeholder 2">
             <a:extLst>
               <a:ext uri="{FF2B5EF4-FFF2-40B4-BE49-F238E27FC236}">
-                <a16:creationId xmlns:a16="http://schemas.microsoft.com/office/drawing/2014/main" id="{7990E17F-50C1-4131-B935-FC3E6BF7ADF4}"/>
+                <a16:creationId xmlns:a16="http://schemas.microsoft.com/office/drawing/2014/main" id="{AC554F90-961E-494F-BF29-C76F964293B8}"/>
               </a:ext>
             </a:extLst>
           </p:cNvPr>
@@ -3476,7 +3485,7 @@
     </p:spTree>
     <p:extLst>
       <p:ext uri="{BB962C8B-B14F-4D97-AF65-F5344CB8AC3E}">
-        <p14:creationId xmlns:p14="http://schemas.microsoft.com/office/powerpoint/2010/main" val="2747131189"/>
+        <p14:creationId xmlns:p14="http://schemas.microsoft.com/office/powerpoint/2010/main" val="335216119"/>
       </p:ext>
     </p:extLst>
   </p:cSld>
@@ -3508,6 +3517,86 @@
           <p:cNvPr id="2" name="Title 1">
             <a:extLst>
               <a:ext uri="{FF2B5EF4-FFF2-40B4-BE49-F238E27FC236}">
+                <a16:creationId xmlns:a16="http://schemas.microsoft.com/office/drawing/2014/main" id="{3A6D0368-097E-4605-96F4-6DE92F6DA6C0}"/>
+              </a:ext>
+            </a:extLst>
+          </p:cNvPr>
+          <p:cNvSpPr>
+            <a:spLocks noGrp="1"/>
+          </p:cNvSpPr>
+          <p:nvPr>
+            <p:ph type="title"/>
+          </p:nvPr>
+        </p:nvSpPr>
+        <p:spPr/>
+        <p:txBody>
+          <a:bodyPr/>
+          <a:lstStyle/>
+          <a:p>
+            <a:endParaRPr lang="en-US"/>
+          </a:p>
+        </p:txBody>
+      </p:sp>
+      <p:sp>
+        <p:nvSpPr>
+          <p:cNvPr id="3" name="Content Placeholder 2">
+            <a:extLst>
+              <a:ext uri="{FF2B5EF4-FFF2-40B4-BE49-F238E27FC236}">
+                <a16:creationId xmlns:a16="http://schemas.microsoft.com/office/drawing/2014/main" id="{7990E17F-50C1-4131-B935-FC3E6BF7ADF4}"/>
+              </a:ext>
+            </a:extLst>
+          </p:cNvPr>
+          <p:cNvSpPr>
+            <a:spLocks noGrp="1"/>
+          </p:cNvSpPr>
+          <p:nvPr>
+            <p:ph idx="1"/>
+          </p:nvPr>
+        </p:nvSpPr>
+        <p:spPr/>
+        <p:txBody>
+          <a:bodyPr/>
+          <a:lstStyle/>
+          <a:p>
+            <a:endParaRPr lang="en-US"/>
+          </a:p>
+        </p:txBody>
+      </p:sp>
+    </p:spTree>
+    <p:extLst>
+      <p:ext uri="{BB962C8B-B14F-4D97-AF65-F5344CB8AC3E}">
+        <p14:creationId xmlns:p14="http://schemas.microsoft.com/office/powerpoint/2010/main" val="2747131189"/>
+      </p:ext>
+    </p:extLst>
+  </p:cSld>
+  <p:clrMapOvr>
+    <a:masterClrMapping/>
+  </p:clrMapOvr>
+</p:sld>
+</file>
+
+<file path=ppt/slides/slide12.xml><?xml version="1.0" encoding="utf-8"?>
+<p:sld xmlns:a="http://schemas.openxmlformats.org/drawingml/2006/main" xmlns:r="http://schemas.openxmlformats.org/officeDocument/2006/relationships" xmlns:p="http://schemas.openxmlformats.org/presentationml/2006/main">
+  <p:cSld>
+    <p:spTree>
+      <p:nvGrpSpPr>
+        <p:cNvPr id="1" name=""/>
+        <p:cNvGrpSpPr/>
+        <p:nvPr/>
+      </p:nvGrpSpPr>
+      <p:grpSpPr>
+        <a:xfrm>
+          <a:off x="0" y="0"/>
+          <a:ext cx="0" cy="0"/>
+          <a:chOff x="0" y="0"/>
+          <a:chExt cx="0" cy="0"/>
+        </a:xfrm>
+      </p:grpSpPr>
+      <p:sp>
+        <p:nvSpPr>
+          <p:cNvPr id="2" name="Title 1">
+            <a:extLst>
+              <a:ext uri="{FF2B5EF4-FFF2-40B4-BE49-F238E27FC236}">
                 <a16:creationId xmlns:a16="http://schemas.microsoft.com/office/drawing/2014/main" id="{12C0B954-D951-4090-B059-5819FBBA7580}"/>
               </a:ext>
             </a:extLst>
@@ -3566,7 +3655,7 @@
 </p:sld>
 </file>
 
-<file path=ppt/slides/slide12.xml><?xml version="1.0" encoding="utf-8"?>
+<file path=ppt/slides/slide13.xml><?xml version="1.0" encoding="utf-8"?>
 <p:sld xmlns:a="http://schemas.openxmlformats.org/drawingml/2006/main" xmlns:r="http://schemas.openxmlformats.org/officeDocument/2006/relationships" xmlns:p="http://schemas.openxmlformats.org/presentationml/2006/main">
   <p:cSld>
     <p:spTree>
@@ -3668,7 +3757,7 @@
           <p:cNvPr id="2" name="Title 1">
             <a:extLst>
               <a:ext uri="{FF2B5EF4-FFF2-40B4-BE49-F238E27FC236}">
-                <a16:creationId xmlns:a16="http://schemas.microsoft.com/office/drawing/2014/main" id="{74FA6A19-B6AC-4FE6-B921-F998AF4A9A51}"/>
+                <a16:creationId xmlns:a16="http://schemas.microsoft.com/office/drawing/2014/main" id="{C6E84C66-DC44-4E61-9981-1636E8E8B946}"/>
               </a:ext>
             </a:extLst>
           </p:cNvPr>
@@ -3679,12 +3768,28 @@
             <p:ph type="title"/>
           </p:nvPr>
         </p:nvSpPr>
-        <p:spPr/>
-        <p:txBody>
-          <a:bodyPr/>
-          <a:lstStyle/>
-          <a:p>
-            <a:endParaRPr lang="en-US"/>
+        <p:spPr>
+          <a:xfrm>
+            <a:off x="568171" y="365125"/>
+            <a:ext cx="10785629" cy="1135201"/>
+          </a:xfrm>
+        </p:spPr>
+        <p:txBody>
+          <a:bodyPr/>
+          <a:lstStyle/>
+          <a:p>
+            <a:r>
+              <a:rPr lang="en-US"/>
+              <a:t>Chọn kích th</a:t>
+            </a:r>
+            <a:r>
+              <a:rPr lang="vi-VN"/>
+              <a:t>ư</a:t>
+            </a:r>
+            <a:r>
+              <a:rPr lang="en-US"/>
+              <a:t>ớc ảnh.</a:t>
+            </a:r>
           </a:p>
         </p:txBody>
       </p:sp>
@@ -3693,7 +3798,7 @@
           <p:cNvPr id="3" name="Content Placeholder 2">
             <a:extLst>
               <a:ext uri="{FF2B5EF4-FFF2-40B4-BE49-F238E27FC236}">
-                <a16:creationId xmlns:a16="http://schemas.microsoft.com/office/drawing/2014/main" id="{6E439483-8AA7-4DAE-B6EE-1E6C3143E2A2}"/>
+                <a16:creationId xmlns:a16="http://schemas.microsoft.com/office/drawing/2014/main" id="{A0C5B9BF-889A-4BCD-9DD6-20FDC0448357}"/>
               </a:ext>
             </a:extLst>
           </p:cNvPr>
@@ -3713,10 +3818,40 @@
           </a:p>
         </p:txBody>
       </p:sp>
+      <p:pic>
+        <p:nvPicPr>
+          <p:cNvPr id="4" name="Picture 3">
+            <a:extLst>
+              <a:ext uri="{FF2B5EF4-FFF2-40B4-BE49-F238E27FC236}">
+                <a16:creationId xmlns:a16="http://schemas.microsoft.com/office/drawing/2014/main" id="{1A70737C-C7EF-4524-98D3-3004C279C914}"/>
+              </a:ext>
+            </a:extLst>
+          </p:cNvPr>
+          <p:cNvPicPr>
+            <a:picLocks noChangeAspect="1"/>
+          </p:cNvPicPr>
+          <p:nvPr/>
+        </p:nvPicPr>
+        <p:blipFill>
+          <a:blip r:embed="rId2"/>
+          <a:stretch>
+            <a:fillRect/>
+          </a:stretch>
+        </p:blipFill>
+        <p:spPr>
+          <a:xfrm>
+            <a:off x="838200" y="1825625"/>
+            <a:ext cx="6887536" cy="4124901"/>
+          </a:xfrm>
+          <a:prstGeom prst="rect">
+            <a:avLst/>
+          </a:prstGeom>
+        </p:spPr>
+      </p:pic>
     </p:spTree>
     <p:extLst>
       <p:ext uri="{BB962C8B-B14F-4D97-AF65-F5344CB8AC3E}">
-        <p14:creationId xmlns:p14="http://schemas.microsoft.com/office/powerpoint/2010/main" val="2821648063"/>
+        <p14:creationId xmlns:p14="http://schemas.microsoft.com/office/powerpoint/2010/main" val="2669455387"/>
       </p:ext>
     </p:extLst>
   </p:cSld>
@@ -3748,7 +3883,7 @@
           <p:cNvPr id="2" name="Title 1">
             <a:extLst>
               <a:ext uri="{FF2B5EF4-FFF2-40B4-BE49-F238E27FC236}">
-                <a16:creationId xmlns:a16="http://schemas.microsoft.com/office/drawing/2014/main" id="{E5D83496-98D0-45AA-8392-06432901F154}"/>
+                <a16:creationId xmlns:a16="http://schemas.microsoft.com/office/drawing/2014/main" id="{74FA6A19-B6AC-4FE6-B921-F998AF4A9A51}"/>
               </a:ext>
             </a:extLst>
           </p:cNvPr>
@@ -3759,12 +3894,20 @@
             <p:ph type="title"/>
           </p:nvPr>
         </p:nvSpPr>
-        <p:spPr/>
-        <p:txBody>
-          <a:bodyPr/>
-          <a:lstStyle/>
-          <a:p>
-            <a:endParaRPr lang="en-US"/>
+        <p:spPr>
+          <a:xfrm>
+            <a:off x="186431" y="134306"/>
+            <a:ext cx="10883284" cy="904381"/>
+          </a:xfrm>
+        </p:spPr>
+        <p:txBody>
+          <a:bodyPr/>
+          <a:lstStyle/>
+          <a:p>
+            <a:r>
+              <a:rPr lang="en-US"/>
+              <a:t>Kỹ thuật cần sử dụng.</a:t>
+            </a:r>
           </a:p>
         </p:txBody>
       </p:sp>
@@ -3773,7 +3916,7 @@
           <p:cNvPr id="3" name="Content Placeholder 2">
             <a:extLst>
               <a:ext uri="{FF2B5EF4-FFF2-40B4-BE49-F238E27FC236}">
-                <a16:creationId xmlns:a16="http://schemas.microsoft.com/office/drawing/2014/main" id="{A2136958-00E9-461B-A758-B416421DCF2A}"/>
+                <a16:creationId xmlns:a16="http://schemas.microsoft.com/office/drawing/2014/main" id="{6E439483-8AA7-4DAE-B6EE-1E6C3143E2A2}"/>
               </a:ext>
             </a:extLst>
           </p:cNvPr>
@@ -3784,19 +3927,118 @@
             <p:ph idx="1"/>
           </p:nvPr>
         </p:nvSpPr>
-        <p:spPr/>
-        <p:txBody>
-          <a:bodyPr/>
-          <a:lstStyle/>
-          <a:p>
-            <a:endParaRPr lang="en-US"/>
-          </a:p>
-        </p:txBody>
-      </p:sp>
+        <p:spPr>
+          <a:xfrm>
+            <a:off x="275207" y="1038687"/>
+            <a:ext cx="11540971" cy="5495278"/>
+          </a:xfrm>
+        </p:spPr>
+        <p:txBody>
+          <a:bodyPr/>
+          <a:lstStyle/>
+          <a:p>
+            <a:endParaRPr lang="en-US"/>
+          </a:p>
+          <a:p>
+            <a:r>
+              <a:rPr lang="en-US"/>
+              <a:t>Kéo hình vào khu vực thiết kế:</a:t>
+            </a:r>
+          </a:p>
+          <a:p>
+            <a:endParaRPr lang="en-US"/>
+          </a:p>
+          <a:p>
+            <a:r>
+              <a:rPr lang="en-US"/>
+              <a:t>Phóng to thu nhỏ hình bằng “ Ctrl + T” </a:t>
+            </a:r>
+            <a:r>
+              <a:rPr lang="en-US">
+                <a:sym typeface="Wingdings" panose="05000000000000000000" pitchFamily="2" charset="2"/>
+              </a:rPr>
+              <a:t> Nhấn Shift để không làm vỡ hình.</a:t>
+            </a:r>
+          </a:p>
+          <a:p>
+            <a:endParaRPr lang="en-US">
+              <a:sym typeface="Wingdings" panose="05000000000000000000" pitchFamily="2" charset="2"/>
+            </a:endParaRPr>
+          </a:p>
+          <a:p>
+            <a:r>
+              <a:rPr lang="en-US">
+                <a:sym typeface="Wingdings" panose="05000000000000000000" pitchFamily="2" charset="2"/>
+              </a:rPr>
+              <a:t>Cắt bỏ đối t</a:t>
+            </a:r>
+            <a:r>
+              <a:rPr lang="vi-VN">
+                <a:sym typeface="Wingdings" panose="05000000000000000000" pitchFamily="2" charset="2"/>
+              </a:rPr>
+              <a:t>ư</a:t>
+            </a:r>
+            <a:r>
+              <a:rPr lang="en-US">
+                <a:sym typeface="Wingdings" panose="05000000000000000000" pitchFamily="2" charset="2"/>
+              </a:rPr>
+              <a:t>ợng giữ lại nền BackGround, ( Công cụ phím S)</a:t>
+            </a:r>
+          </a:p>
+          <a:p>
+            <a:endParaRPr lang="en-US"/>
+          </a:p>
+          <a:p>
+            <a:r>
+              <a:rPr lang="en-US"/>
+              <a:t>Ghom nhóm:</a:t>
+            </a:r>
+          </a:p>
+          <a:p>
+            <a:endParaRPr lang="en-US"/>
+          </a:p>
+          <a:p>
+            <a:r>
+              <a:rPr lang="en-US"/>
+              <a:t>Không nên dùng cắt hình mà nên dung Hòa trộn. </a:t>
+            </a:r>
+          </a:p>
+        </p:txBody>
+      </p:sp>
+      <p:pic>
+        <p:nvPicPr>
+          <p:cNvPr id="4" name="Picture 3">
+            <a:extLst>
+              <a:ext uri="{FF2B5EF4-FFF2-40B4-BE49-F238E27FC236}">
+                <a16:creationId xmlns:a16="http://schemas.microsoft.com/office/drawing/2014/main" id="{E457171B-8913-40EE-AC4C-AEE1590DC66A}"/>
+              </a:ext>
+            </a:extLst>
+          </p:cNvPr>
+          <p:cNvPicPr>
+            <a:picLocks noChangeAspect="1"/>
+          </p:cNvPicPr>
+          <p:nvPr/>
+        </p:nvPicPr>
+        <p:blipFill>
+          <a:blip r:embed="rId2"/>
+          <a:stretch>
+            <a:fillRect/>
+          </a:stretch>
+        </p:blipFill>
+        <p:spPr>
+          <a:xfrm>
+            <a:off x="9535976" y="3524352"/>
+            <a:ext cx="1533739" cy="523948"/>
+          </a:xfrm>
+          <a:prstGeom prst="rect">
+            <a:avLst/>
+          </a:prstGeom>
+        </p:spPr>
+      </p:pic>
     </p:spTree>
     <p:extLst>
       <p:ext uri="{BB962C8B-B14F-4D97-AF65-F5344CB8AC3E}">
-        <p14:creationId xmlns:p14="http://schemas.microsoft.com/office/powerpoint/2010/main" val="3885211251"/>
+        <p14:creationId xmlns:p14="http://schemas.microsoft.com/office/powerpoint/2010/main" val="2821648063"/>
       </p:ext>
     </p:extLst>
   </p:cSld>
@@ -3828,7 +4070,7 @@
           <p:cNvPr id="2" name="Title 1">
             <a:extLst>
               <a:ext uri="{FF2B5EF4-FFF2-40B4-BE49-F238E27FC236}">
-                <a16:creationId xmlns:a16="http://schemas.microsoft.com/office/drawing/2014/main" id="{F2E27D9B-93FB-49E9-8010-A80ACFEED677}"/>
+                <a16:creationId xmlns:a16="http://schemas.microsoft.com/office/drawing/2014/main" id="{E5D83496-98D0-45AA-8392-06432901F154}"/>
               </a:ext>
             </a:extLst>
           </p:cNvPr>
@@ -3839,7 +4081,12 @@
             <p:ph type="title"/>
           </p:nvPr>
         </p:nvSpPr>
-        <p:spPr/>
+        <p:spPr>
+          <a:xfrm>
+            <a:off x="177553" y="66583"/>
+            <a:ext cx="11176247" cy="1325563"/>
+          </a:xfrm>
+        </p:spPr>
         <p:txBody>
           <a:bodyPr/>
           <a:lstStyle/>
@@ -3853,7 +4100,7 @@
           <p:cNvPr id="3" name="Content Placeholder 2">
             <a:extLst>
               <a:ext uri="{FF2B5EF4-FFF2-40B4-BE49-F238E27FC236}">
-                <a16:creationId xmlns:a16="http://schemas.microsoft.com/office/drawing/2014/main" id="{38C14F99-2DED-4352-96CC-E69E5FB813A2}"/>
+                <a16:creationId xmlns:a16="http://schemas.microsoft.com/office/drawing/2014/main" id="{A2136958-00E9-461B-A758-B416421DCF2A}"/>
               </a:ext>
             </a:extLst>
           </p:cNvPr>
@@ -3864,19 +4111,74 @@
             <p:ph idx="1"/>
           </p:nvPr>
         </p:nvSpPr>
-        <p:spPr/>
-        <p:txBody>
-          <a:bodyPr/>
-          <a:lstStyle/>
-          <a:p>
-            <a:endParaRPr lang="en-US"/>
+        <p:spPr>
+          <a:xfrm>
+            <a:off x="177553" y="1482571"/>
+            <a:ext cx="11745158" cy="5308846"/>
+          </a:xfrm>
+        </p:spPr>
+        <p:txBody>
+          <a:bodyPr/>
+          <a:lstStyle/>
+          <a:p>
+            <a:r>
+              <a:rPr lang="en-US"/>
+              <a:t>Tạo mặt nạ., ( Trong mặt nạ chỉ tồn tại 2 màu sắc là: trắng và đen )</a:t>
+            </a:r>
+          </a:p>
+          <a:p>
+            <a:endParaRPr lang="en-US"/>
+          </a:p>
+          <a:p>
+            <a:endParaRPr lang="en-US"/>
+          </a:p>
+          <a:p>
+            <a:r>
+              <a:rPr lang="en-US"/>
+              <a:t>Công cụ B : công cụ Brush để xóa đ</a:t>
+            </a:r>
+            <a:r>
+              <a:rPr lang="vi-VN"/>
+              <a:t>ư</a:t>
+            </a:r>
+            <a:r>
+              <a:rPr lang="en-US"/>
+              <a:t>ờng viền. ( Tô màu)</a:t>
+            </a:r>
+          </a:p>
+          <a:p>
+            <a:endParaRPr lang="en-US"/>
+          </a:p>
+          <a:p>
+            <a:r>
+              <a:rPr lang="en-US"/>
+              <a:t>Lật ảnh.( lật theo trục dọc, lật theo trục ngang ).</a:t>
+            </a:r>
+          </a:p>
+          <a:p>
+            <a:endParaRPr lang="en-US"/>
+          </a:p>
+          <a:p>
+            <a:r>
+              <a:rPr lang="en-US"/>
+              <a:t>Gradient ( Công cụ G )</a:t>
+            </a:r>
+          </a:p>
+          <a:p>
+            <a:endParaRPr lang="en-US"/>
+          </a:p>
+          <a:p>
+            <a:r>
+              <a:rPr lang="en-US"/>
+              <a:t>Công cụ M:</a:t>
+            </a:r>
           </a:p>
         </p:txBody>
       </p:sp>
     </p:spTree>
     <p:extLst>
       <p:ext uri="{BB962C8B-B14F-4D97-AF65-F5344CB8AC3E}">
-        <p14:creationId xmlns:p14="http://schemas.microsoft.com/office/powerpoint/2010/main" val="2793256647"/>
+        <p14:creationId xmlns:p14="http://schemas.microsoft.com/office/powerpoint/2010/main" val="3885211251"/>
       </p:ext>
     </p:extLst>
   </p:cSld>
@@ -3908,7 +4210,7 @@
           <p:cNvPr id="2" name="Title 1">
             <a:extLst>
               <a:ext uri="{FF2B5EF4-FFF2-40B4-BE49-F238E27FC236}">
-                <a16:creationId xmlns:a16="http://schemas.microsoft.com/office/drawing/2014/main" id="{CBC340CA-7BDF-4263-B9B1-2EDD85A1F62A}"/>
+                <a16:creationId xmlns:a16="http://schemas.microsoft.com/office/drawing/2014/main" id="{F2E27D9B-93FB-49E9-8010-A80ACFEED677}"/>
               </a:ext>
             </a:extLst>
           </p:cNvPr>
@@ -3933,7 +4235,7 @@
           <p:cNvPr id="3" name="Content Placeholder 2">
             <a:extLst>
               <a:ext uri="{FF2B5EF4-FFF2-40B4-BE49-F238E27FC236}">
-                <a16:creationId xmlns:a16="http://schemas.microsoft.com/office/drawing/2014/main" id="{C78A6BD0-2123-43D3-8E27-2E22FD6CC654}"/>
+                <a16:creationId xmlns:a16="http://schemas.microsoft.com/office/drawing/2014/main" id="{38C14F99-2DED-4352-96CC-E69E5FB813A2}"/>
               </a:ext>
             </a:extLst>
           </p:cNvPr>
@@ -3956,7 +4258,7 @@
     </p:spTree>
     <p:extLst>
       <p:ext uri="{BB962C8B-B14F-4D97-AF65-F5344CB8AC3E}">
-        <p14:creationId xmlns:p14="http://schemas.microsoft.com/office/powerpoint/2010/main" val="1515533431"/>
+        <p14:creationId xmlns:p14="http://schemas.microsoft.com/office/powerpoint/2010/main" val="2793256647"/>
       </p:ext>
     </p:extLst>
   </p:cSld>
@@ -3988,7 +4290,7 @@
           <p:cNvPr id="2" name="Title 1">
             <a:extLst>
               <a:ext uri="{FF2B5EF4-FFF2-40B4-BE49-F238E27FC236}">
-                <a16:creationId xmlns:a16="http://schemas.microsoft.com/office/drawing/2014/main" id="{DC245DFA-FB35-408B-8AF3-1F50EE93303D}"/>
+                <a16:creationId xmlns:a16="http://schemas.microsoft.com/office/drawing/2014/main" id="{CBC340CA-7BDF-4263-B9B1-2EDD85A1F62A}"/>
               </a:ext>
             </a:extLst>
           </p:cNvPr>
@@ -4013,7 +4315,7 @@
           <p:cNvPr id="3" name="Content Placeholder 2">
             <a:extLst>
               <a:ext uri="{FF2B5EF4-FFF2-40B4-BE49-F238E27FC236}">
-                <a16:creationId xmlns:a16="http://schemas.microsoft.com/office/drawing/2014/main" id="{ED22AFDE-2383-4D83-8ABA-22A7ECC83EB3}"/>
+                <a16:creationId xmlns:a16="http://schemas.microsoft.com/office/drawing/2014/main" id="{C78A6BD0-2123-43D3-8E27-2E22FD6CC654}"/>
               </a:ext>
             </a:extLst>
           </p:cNvPr>
@@ -4036,7 +4338,7 @@
     </p:spTree>
     <p:extLst>
       <p:ext uri="{BB962C8B-B14F-4D97-AF65-F5344CB8AC3E}">
-        <p14:creationId xmlns:p14="http://schemas.microsoft.com/office/powerpoint/2010/main" val="2880420576"/>
+        <p14:creationId xmlns:p14="http://schemas.microsoft.com/office/powerpoint/2010/main" val="1515533431"/>
       </p:ext>
     </p:extLst>
   </p:cSld>
@@ -4068,7 +4370,7 @@
           <p:cNvPr id="2" name="Title 1">
             <a:extLst>
               <a:ext uri="{FF2B5EF4-FFF2-40B4-BE49-F238E27FC236}">
-                <a16:creationId xmlns:a16="http://schemas.microsoft.com/office/drawing/2014/main" id="{56B5C523-5F75-462C-B181-0B478A8FDB22}"/>
+                <a16:creationId xmlns:a16="http://schemas.microsoft.com/office/drawing/2014/main" id="{DC245DFA-FB35-408B-8AF3-1F50EE93303D}"/>
               </a:ext>
             </a:extLst>
           </p:cNvPr>
@@ -4093,7 +4395,7 @@
           <p:cNvPr id="3" name="Content Placeholder 2">
             <a:extLst>
               <a:ext uri="{FF2B5EF4-FFF2-40B4-BE49-F238E27FC236}">
-                <a16:creationId xmlns:a16="http://schemas.microsoft.com/office/drawing/2014/main" id="{DC0265AF-4BE8-4F37-B82E-2836462A993E}"/>
+                <a16:creationId xmlns:a16="http://schemas.microsoft.com/office/drawing/2014/main" id="{ED22AFDE-2383-4D83-8ABA-22A7ECC83EB3}"/>
               </a:ext>
             </a:extLst>
           </p:cNvPr>
@@ -4116,7 +4418,7 @@
     </p:spTree>
     <p:extLst>
       <p:ext uri="{BB962C8B-B14F-4D97-AF65-F5344CB8AC3E}">
-        <p14:creationId xmlns:p14="http://schemas.microsoft.com/office/powerpoint/2010/main" val="3803018489"/>
+        <p14:creationId xmlns:p14="http://schemas.microsoft.com/office/powerpoint/2010/main" val="2880420576"/>
       </p:ext>
     </p:extLst>
   </p:cSld>
@@ -4148,7 +4450,7 @@
           <p:cNvPr id="2" name="Title 1">
             <a:extLst>
               <a:ext uri="{FF2B5EF4-FFF2-40B4-BE49-F238E27FC236}">
-                <a16:creationId xmlns:a16="http://schemas.microsoft.com/office/drawing/2014/main" id="{D6C70781-7BF6-4FA1-8AB2-90A90EF4117D}"/>
+                <a16:creationId xmlns:a16="http://schemas.microsoft.com/office/drawing/2014/main" id="{56B5C523-5F75-462C-B181-0B478A8FDB22}"/>
               </a:ext>
             </a:extLst>
           </p:cNvPr>
@@ -4173,7 +4475,7 @@
           <p:cNvPr id="3" name="Content Placeholder 2">
             <a:extLst>
               <a:ext uri="{FF2B5EF4-FFF2-40B4-BE49-F238E27FC236}">
-                <a16:creationId xmlns:a16="http://schemas.microsoft.com/office/drawing/2014/main" id="{2138BB2E-02E1-46D8-AD0C-D095FD99DA6A}"/>
+                <a16:creationId xmlns:a16="http://schemas.microsoft.com/office/drawing/2014/main" id="{DC0265AF-4BE8-4F37-B82E-2836462A993E}"/>
               </a:ext>
             </a:extLst>
           </p:cNvPr>
@@ -4196,7 +4498,7 @@
     </p:spTree>
     <p:extLst>
       <p:ext uri="{BB962C8B-B14F-4D97-AF65-F5344CB8AC3E}">
-        <p14:creationId xmlns:p14="http://schemas.microsoft.com/office/powerpoint/2010/main" val="4213842738"/>
+        <p14:creationId xmlns:p14="http://schemas.microsoft.com/office/powerpoint/2010/main" val="3803018489"/>
       </p:ext>
     </p:extLst>
   </p:cSld>
@@ -4228,7 +4530,7 @@
           <p:cNvPr id="2" name="Title 1">
             <a:extLst>
               <a:ext uri="{FF2B5EF4-FFF2-40B4-BE49-F238E27FC236}">
-                <a16:creationId xmlns:a16="http://schemas.microsoft.com/office/drawing/2014/main" id="{456E904C-79DB-432E-B6A7-47326D57B015}"/>
+                <a16:creationId xmlns:a16="http://schemas.microsoft.com/office/drawing/2014/main" id="{D6C70781-7BF6-4FA1-8AB2-90A90EF4117D}"/>
               </a:ext>
             </a:extLst>
           </p:cNvPr>
@@ -4253,7 +4555,7 @@
           <p:cNvPr id="3" name="Content Placeholder 2">
             <a:extLst>
               <a:ext uri="{FF2B5EF4-FFF2-40B4-BE49-F238E27FC236}">
-                <a16:creationId xmlns:a16="http://schemas.microsoft.com/office/drawing/2014/main" id="{AC554F90-961E-494F-BF29-C76F964293B8}"/>
+                <a16:creationId xmlns:a16="http://schemas.microsoft.com/office/drawing/2014/main" id="{2138BB2E-02E1-46D8-AD0C-D095FD99DA6A}"/>
               </a:ext>
             </a:extLst>
           </p:cNvPr>
@@ -4276,7 +4578,7 @@
     </p:spTree>
     <p:extLst>
       <p:ext uri="{BB962C8B-B14F-4D97-AF65-F5344CB8AC3E}">
-        <p14:creationId xmlns:p14="http://schemas.microsoft.com/office/powerpoint/2010/main" val="335216119"/>
+        <p14:creationId xmlns:p14="http://schemas.microsoft.com/office/powerpoint/2010/main" val="4213842738"/>
       </p:ext>
     </p:extLst>
   </p:cSld>

--- a/THIẾT KẾ BANNER.pptx
+++ b/THIẾT KẾ BANNER.pptx
@@ -271,7 +271,7 @@
           <a:p>
             <a:fld id="{78F1B958-4B67-4419-8296-1FCB0C2B0E0E}" type="datetimeFigureOut">
               <a:rPr lang="en-US" smtClean="0"/>
-              <a:t>29/08/2024</a:t>
+              <a:t>30/08/2024</a:t>
             </a:fld>
             <a:endParaRPr lang="en-US"/>
           </a:p>
@@ -469,7 +469,7 @@
           <a:p>
             <a:fld id="{78F1B958-4B67-4419-8296-1FCB0C2B0E0E}" type="datetimeFigureOut">
               <a:rPr lang="en-US" smtClean="0"/>
-              <a:t>29/08/2024</a:t>
+              <a:t>30/08/2024</a:t>
             </a:fld>
             <a:endParaRPr lang="en-US"/>
           </a:p>
@@ -677,7 +677,7 @@
           <a:p>
             <a:fld id="{78F1B958-4B67-4419-8296-1FCB0C2B0E0E}" type="datetimeFigureOut">
               <a:rPr lang="en-US" smtClean="0"/>
-              <a:t>29/08/2024</a:t>
+              <a:t>30/08/2024</a:t>
             </a:fld>
             <a:endParaRPr lang="en-US"/>
           </a:p>
@@ -875,7 +875,7 @@
           <a:p>
             <a:fld id="{78F1B958-4B67-4419-8296-1FCB0C2B0E0E}" type="datetimeFigureOut">
               <a:rPr lang="en-US" smtClean="0"/>
-              <a:t>29/08/2024</a:t>
+              <a:t>30/08/2024</a:t>
             </a:fld>
             <a:endParaRPr lang="en-US"/>
           </a:p>
@@ -1150,7 +1150,7 @@
           <a:p>
             <a:fld id="{78F1B958-4B67-4419-8296-1FCB0C2B0E0E}" type="datetimeFigureOut">
               <a:rPr lang="en-US" smtClean="0"/>
-              <a:t>29/08/2024</a:t>
+              <a:t>30/08/2024</a:t>
             </a:fld>
             <a:endParaRPr lang="en-US"/>
           </a:p>
@@ -1415,7 +1415,7 @@
           <a:p>
             <a:fld id="{78F1B958-4B67-4419-8296-1FCB0C2B0E0E}" type="datetimeFigureOut">
               <a:rPr lang="en-US" smtClean="0"/>
-              <a:t>29/08/2024</a:t>
+              <a:t>30/08/2024</a:t>
             </a:fld>
             <a:endParaRPr lang="en-US"/>
           </a:p>
@@ -1827,7 +1827,7 @@
           <a:p>
             <a:fld id="{78F1B958-4B67-4419-8296-1FCB0C2B0E0E}" type="datetimeFigureOut">
               <a:rPr lang="en-US" smtClean="0"/>
-              <a:t>29/08/2024</a:t>
+              <a:t>30/08/2024</a:t>
             </a:fld>
             <a:endParaRPr lang="en-US"/>
           </a:p>
@@ -1968,7 +1968,7 @@
           <a:p>
             <a:fld id="{78F1B958-4B67-4419-8296-1FCB0C2B0E0E}" type="datetimeFigureOut">
               <a:rPr lang="en-US" smtClean="0"/>
-              <a:t>29/08/2024</a:t>
+              <a:t>30/08/2024</a:t>
             </a:fld>
             <a:endParaRPr lang="en-US"/>
           </a:p>
@@ -2081,7 +2081,7 @@
           <a:p>
             <a:fld id="{78F1B958-4B67-4419-8296-1FCB0C2B0E0E}" type="datetimeFigureOut">
               <a:rPr lang="en-US" smtClean="0"/>
-              <a:t>29/08/2024</a:t>
+              <a:t>30/08/2024</a:t>
             </a:fld>
             <a:endParaRPr lang="en-US"/>
           </a:p>
@@ -2392,7 +2392,7 @@
           <a:p>
             <a:fld id="{78F1B958-4B67-4419-8296-1FCB0C2B0E0E}" type="datetimeFigureOut">
               <a:rPr lang="en-US" smtClean="0"/>
-              <a:t>29/08/2024</a:t>
+              <a:t>30/08/2024</a:t>
             </a:fld>
             <a:endParaRPr lang="en-US"/>
           </a:p>
@@ -2680,7 +2680,7 @@
           <a:p>
             <a:fld id="{78F1B958-4B67-4419-8296-1FCB0C2B0E0E}" type="datetimeFigureOut">
               <a:rPr lang="en-US" smtClean="0"/>
-              <a:t>29/08/2024</a:t>
+              <a:t>30/08/2024</a:t>
             </a:fld>
             <a:endParaRPr lang="en-US"/>
           </a:p>
@@ -2921,7 +2921,7 @@
           <a:p>
             <a:fld id="{78F1B958-4B67-4419-8296-1FCB0C2B0E0E}" type="datetimeFigureOut">
               <a:rPr lang="en-US" smtClean="0"/>
-              <a:t>29/08/2024</a:t>
+              <a:t>30/08/2024</a:t>
             </a:fld>
             <a:endParaRPr lang="en-US"/>
           </a:p>
@@ -3453,7 +3453,10 @@
           <a:bodyPr/>
           <a:lstStyle/>
           <a:p>
-            <a:endParaRPr lang="en-US"/>
+            <a:r>
+              <a:rPr lang="en-US"/>
+              <a:t>Lồng ghép hình.</a:t>
+            </a:r>
           </a:p>
         </p:txBody>
       </p:sp>
@@ -3478,7 +3481,10 @@
           <a:bodyPr/>
           <a:lstStyle/>
           <a:p>
-            <a:endParaRPr lang="en-US"/>
+            <a:r>
+              <a:rPr lang="en-US"/>
+              <a:t>https://www.youtube.com/watch?v=B5aIfwEX5FM</a:t>
+            </a:r>
           </a:p>
         </p:txBody>
       </p:sp>
@@ -3512,53 +3518,68 @@
           <a:chExt cx="0" cy="0"/>
         </a:xfrm>
       </p:grpSpPr>
-      <p:sp>
-        <p:nvSpPr>
-          <p:cNvPr id="2" name="Title 1">
-            <a:extLst>
-              <a:ext uri="{FF2B5EF4-FFF2-40B4-BE49-F238E27FC236}">
-                <a16:creationId xmlns:a16="http://schemas.microsoft.com/office/drawing/2014/main" id="{3A6D0368-097E-4605-96F4-6DE92F6DA6C0}"/>
-              </a:ext>
-            </a:extLst>
-          </p:cNvPr>
-          <p:cNvSpPr>
-            <a:spLocks noGrp="1"/>
-          </p:cNvSpPr>
-          <p:nvPr>
-            <p:ph type="title"/>
-          </p:nvPr>
-        </p:nvSpPr>
-        <p:spPr/>
-        <p:txBody>
-          <a:bodyPr/>
-          <a:lstStyle/>
-          <a:p>
-            <a:endParaRPr lang="en-US"/>
-          </a:p>
-        </p:txBody>
-      </p:sp>
-      <p:sp>
-        <p:nvSpPr>
-          <p:cNvPr id="3" name="Content Placeholder 2">
-            <a:extLst>
-              <a:ext uri="{FF2B5EF4-FFF2-40B4-BE49-F238E27FC236}">
-                <a16:creationId xmlns:a16="http://schemas.microsoft.com/office/drawing/2014/main" id="{7990E17F-50C1-4131-B935-FC3E6BF7ADF4}"/>
-              </a:ext>
-            </a:extLst>
-          </p:cNvPr>
-          <p:cNvSpPr>
-            <a:spLocks noGrp="1"/>
-          </p:cNvSpPr>
-          <p:nvPr>
-            <p:ph idx="1"/>
-          </p:nvPr>
-        </p:nvSpPr>
-        <p:spPr/>
-        <p:txBody>
-          <a:bodyPr/>
-          <a:lstStyle/>
-          <a:p>
-            <a:endParaRPr lang="en-US"/>
+      <p:pic>
+        <p:nvPicPr>
+          <p:cNvPr id="4" name="Picture 3">
+            <a:extLst>
+              <a:ext uri="{FF2B5EF4-FFF2-40B4-BE49-F238E27FC236}">
+                <a16:creationId xmlns:a16="http://schemas.microsoft.com/office/drawing/2014/main" id="{79CC355E-F83C-4396-853E-DBCC220A8A07}"/>
+              </a:ext>
+            </a:extLst>
+          </p:cNvPr>
+          <p:cNvPicPr>
+            <a:picLocks noChangeAspect="1"/>
+          </p:cNvPicPr>
+          <p:nvPr/>
+        </p:nvPicPr>
+        <p:blipFill>
+          <a:blip r:embed="rId2"/>
+          <a:stretch>
+            <a:fillRect/>
+          </a:stretch>
+        </p:blipFill>
+        <p:spPr>
+          <a:xfrm>
+            <a:off x="168676" y="168674"/>
+            <a:ext cx="7916380" cy="876422"/>
+          </a:xfrm>
+          <a:prstGeom prst="rect">
+            <a:avLst/>
+          </a:prstGeom>
+        </p:spPr>
+      </p:pic>
+      <p:sp>
+        <p:nvSpPr>
+          <p:cNvPr id="5" name="TextBox 4">
+            <a:extLst>
+              <a:ext uri="{FF2B5EF4-FFF2-40B4-BE49-F238E27FC236}">
+                <a16:creationId xmlns:a16="http://schemas.microsoft.com/office/drawing/2014/main" id="{D6B9D63C-5BD3-4F06-89AD-B720E0E30B20}"/>
+              </a:ext>
+            </a:extLst>
+          </p:cNvPr>
+          <p:cNvSpPr txBox="1"/>
+          <p:nvPr/>
+        </p:nvSpPr>
+        <p:spPr>
+          <a:xfrm>
+            <a:off x="168676" y="1242874"/>
+            <a:ext cx="5566298" cy="369332"/>
+          </a:xfrm>
+          <a:prstGeom prst="rect">
+            <a:avLst/>
+          </a:prstGeom>
+          <a:noFill/>
+        </p:spPr>
+        <p:txBody>
+          <a:bodyPr wrap="square" rtlCol="0">
+            <a:spAutoFit/>
+          </a:bodyPr>
+          <a:lstStyle/>
+          <a:p>
+            <a:r>
+              <a:rPr lang="en-US"/>
+              <a:t>https://www.youtube.com/watch?v=C8k9FeVZcFs</a:t>
+            </a:r>
           </a:p>
         </p:txBody>
       </p:sp>
@@ -4205,56 +4226,366 @@
           <a:chExt cx="0" cy="0"/>
         </a:xfrm>
       </p:grpSpPr>
-      <p:sp>
-        <p:nvSpPr>
-          <p:cNvPr id="2" name="Title 1">
-            <a:extLst>
-              <a:ext uri="{FF2B5EF4-FFF2-40B4-BE49-F238E27FC236}">
-                <a16:creationId xmlns:a16="http://schemas.microsoft.com/office/drawing/2014/main" id="{F2E27D9B-93FB-49E9-8010-A80ACFEED677}"/>
-              </a:ext>
-            </a:extLst>
-          </p:cNvPr>
-          <p:cNvSpPr>
-            <a:spLocks noGrp="1"/>
-          </p:cNvSpPr>
-          <p:nvPr>
-            <p:ph type="title"/>
-          </p:nvPr>
-        </p:nvSpPr>
-        <p:spPr/>
-        <p:txBody>
-          <a:bodyPr/>
-          <a:lstStyle/>
-          <a:p>
+      <p:pic>
+        <p:nvPicPr>
+          <p:cNvPr id="4" name="Picture 3">
+            <a:extLst>
+              <a:ext uri="{FF2B5EF4-FFF2-40B4-BE49-F238E27FC236}">
+                <a16:creationId xmlns:a16="http://schemas.microsoft.com/office/drawing/2014/main" id="{819D60A3-DE44-4BE5-A784-2077FC66678A}"/>
+              </a:ext>
+            </a:extLst>
+          </p:cNvPr>
+          <p:cNvPicPr>
+            <a:picLocks noChangeAspect="1"/>
+          </p:cNvPicPr>
+          <p:nvPr/>
+        </p:nvPicPr>
+        <p:blipFill>
+          <a:blip r:embed="rId2"/>
+          <a:stretch>
+            <a:fillRect/>
+          </a:stretch>
+        </p:blipFill>
+        <p:spPr>
+          <a:xfrm>
+            <a:off x="266330" y="261877"/>
+            <a:ext cx="6335009" cy="838317"/>
+          </a:xfrm>
+          <a:prstGeom prst="rect">
+            <a:avLst/>
+          </a:prstGeom>
+        </p:spPr>
+      </p:pic>
+      <p:pic>
+        <p:nvPicPr>
+          <p:cNvPr id="5" name="Content Placeholder 4">
+            <a:extLst>
+              <a:ext uri="{FF2B5EF4-FFF2-40B4-BE49-F238E27FC236}">
+                <a16:creationId xmlns:a16="http://schemas.microsoft.com/office/drawing/2014/main" id="{63EB3598-CD8F-4D76-8605-2332F0D5C6BC}"/>
+              </a:ext>
+            </a:extLst>
+          </p:cNvPr>
+          <p:cNvPicPr>
+            <a:picLocks noGrp="1" noChangeAspect="1"/>
+          </p:cNvPicPr>
+          <p:nvPr>
+            <p:ph idx="1"/>
+          </p:nvPr>
+        </p:nvPicPr>
+        <p:blipFill>
+          <a:blip r:embed="rId3"/>
+          <a:stretch>
+            <a:fillRect/>
+          </a:stretch>
+        </p:blipFill>
+        <p:spPr>
+          <a:xfrm>
+            <a:off x="266330" y="1847146"/>
+            <a:ext cx="6868484" cy="4143953"/>
+          </a:xfrm>
+          <a:prstGeom prst="rect">
+            <a:avLst/>
+          </a:prstGeom>
+        </p:spPr>
+      </p:pic>
+      <p:sp>
+        <p:nvSpPr>
+          <p:cNvPr id="6" name="TextBox 5">
+            <a:extLst>
+              <a:ext uri="{FF2B5EF4-FFF2-40B4-BE49-F238E27FC236}">
+                <a16:creationId xmlns:a16="http://schemas.microsoft.com/office/drawing/2014/main" id="{66DBEB70-96C5-427A-AEAB-0FC89E0372DD}"/>
+              </a:ext>
+            </a:extLst>
+          </p:cNvPr>
+          <p:cNvSpPr txBox="1"/>
+          <p:nvPr/>
+        </p:nvSpPr>
+        <p:spPr>
+          <a:xfrm>
+            <a:off x="266330" y="1176907"/>
+            <a:ext cx="7972148" cy="369332"/>
+          </a:xfrm>
+          <a:prstGeom prst="rect">
+            <a:avLst/>
+          </a:prstGeom>
+          <a:noFill/>
+        </p:spPr>
+        <p:txBody>
+          <a:bodyPr wrap="square" rtlCol="0">
+            <a:spAutoFit/>
+          </a:bodyPr>
+          <a:lstStyle/>
+          <a:p>
+            <a:r>
+              <a:rPr lang="en-US"/>
+              <a:t>Tạo dự án thiết kế mới.</a:t>
+            </a:r>
+          </a:p>
+        </p:txBody>
+      </p:sp>
+      <p:sp>
+        <p:nvSpPr>
+          <p:cNvPr id="7" name="Rectangle 6">
+            <a:extLst>
+              <a:ext uri="{FF2B5EF4-FFF2-40B4-BE49-F238E27FC236}">
+                <a16:creationId xmlns:a16="http://schemas.microsoft.com/office/drawing/2014/main" id="{534797AB-2C6C-4D55-B471-918537B811F6}"/>
+              </a:ext>
+            </a:extLst>
+          </p:cNvPr>
+          <p:cNvSpPr/>
+          <p:nvPr/>
+        </p:nvSpPr>
+        <p:spPr>
+          <a:xfrm>
+            <a:off x="5208360" y="2998434"/>
+            <a:ext cx="1926454" cy="665825"/>
+          </a:xfrm>
+          <a:prstGeom prst="rect">
+            <a:avLst/>
+          </a:prstGeom>
+          <a:noFill/>
+        </p:spPr>
+        <p:style>
+          <a:lnRef idx="2">
+            <a:schemeClr val="accent2">
+              <a:shade val="50000"/>
+            </a:schemeClr>
+          </a:lnRef>
+          <a:fillRef idx="1">
+            <a:schemeClr val="accent2"/>
+          </a:fillRef>
+          <a:effectRef idx="0">
+            <a:schemeClr val="accent2"/>
+          </a:effectRef>
+          <a:fontRef idx="minor">
+            <a:schemeClr val="lt1"/>
+          </a:fontRef>
+        </p:style>
+        <p:txBody>
+          <a:bodyPr rtlCol="0" anchor="ctr"/>
+          <a:lstStyle/>
+          <a:p>
+            <a:pPr algn="ctr"/>
             <a:endParaRPr lang="en-US"/>
           </a:p>
         </p:txBody>
       </p:sp>
-      <p:sp>
-        <p:nvSpPr>
-          <p:cNvPr id="3" name="Content Placeholder 2">
-            <a:extLst>
-              <a:ext uri="{FF2B5EF4-FFF2-40B4-BE49-F238E27FC236}">
-                <a16:creationId xmlns:a16="http://schemas.microsoft.com/office/drawing/2014/main" id="{38C14F99-2DED-4352-96CC-E69E5FB813A2}"/>
-              </a:ext>
-            </a:extLst>
-          </p:cNvPr>
-          <p:cNvSpPr>
-            <a:spLocks noGrp="1"/>
-          </p:cNvSpPr>
-          <p:nvPr>
-            <p:ph idx="1"/>
-          </p:nvPr>
-        </p:nvSpPr>
-        <p:spPr/>
-        <p:txBody>
-          <a:bodyPr/>
-          <a:lstStyle/>
+      <p:cxnSp>
+        <p:nvCxnSpPr>
+          <p:cNvPr id="9" name="Straight Arrow Connector 8">
+            <a:extLst>
+              <a:ext uri="{FF2B5EF4-FFF2-40B4-BE49-F238E27FC236}">
+                <a16:creationId xmlns:a16="http://schemas.microsoft.com/office/drawing/2014/main" id="{C8AE9EC5-60C7-460E-B0B0-44112FB0B189}"/>
+              </a:ext>
+            </a:extLst>
+          </p:cNvPr>
+          <p:cNvCxnSpPr>
+            <a:cxnSpLocks/>
+          </p:cNvCxnSpPr>
+          <p:nvPr/>
+        </p:nvCxnSpPr>
+        <p:spPr>
+          <a:xfrm flipV="1">
+            <a:off x="7134814" y="1730905"/>
+            <a:ext cx="775190" cy="1438423"/>
+          </a:xfrm>
+          <a:prstGeom prst="straightConnector1">
+            <a:avLst/>
+          </a:prstGeom>
+          <a:ln>
+            <a:tailEnd type="triangle"/>
+          </a:ln>
+        </p:spPr>
+        <p:style>
+          <a:lnRef idx="1">
+            <a:schemeClr val="dk1"/>
+          </a:lnRef>
+          <a:fillRef idx="0">
+            <a:schemeClr val="dk1"/>
+          </a:fillRef>
+          <a:effectRef idx="0">
+            <a:schemeClr val="dk1"/>
+          </a:effectRef>
+          <a:fontRef idx="minor">
+            <a:schemeClr val="tx1"/>
+          </a:fontRef>
+        </p:style>
+      </p:cxnSp>
+      <p:sp>
+        <p:nvSpPr>
+          <p:cNvPr id="10" name="TextBox 9">
+            <a:extLst>
+              <a:ext uri="{FF2B5EF4-FFF2-40B4-BE49-F238E27FC236}">
+                <a16:creationId xmlns:a16="http://schemas.microsoft.com/office/drawing/2014/main" id="{B5225535-2FD4-4CDA-9E94-ABA006A18EAC}"/>
+              </a:ext>
+            </a:extLst>
+          </p:cNvPr>
+          <p:cNvSpPr txBox="1"/>
+          <p:nvPr/>
+        </p:nvSpPr>
+        <p:spPr>
+          <a:xfrm>
+            <a:off x="7910004" y="1361573"/>
+            <a:ext cx="3997911" cy="369332"/>
+          </a:xfrm>
+          <a:prstGeom prst="rect">
+            <a:avLst/>
+          </a:prstGeom>
+          <a:noFill/>
+        </p:spPr>
+        <p:txBody>
+          <a:bodyPr wrap="square" rtlCol="0">
+            <a:spAutoFit/>
+          </a:bodyPr>
+          <a:lstStyle/>
+          <a:p>
+            <a:r>
+              <a:rPr lang="en-US"/>
+              <a:t>Kích th</a:t>
+            </a:r>
+            <a:r>
+              <a:rPr lang="vi-VN"/>
+              <a:t>ư</a:t>
+            </a:r>
+            <a:r>
+              <a:rPr lang="en-US"/>
+              <a:t>ớc Cover của FB.</a:t>
+            </a:r>
+          </a:p>
+        </p:txBody>
+      </p:sp>
+      <p:sp>
+        <p:nvSpPr>
+          <p:cNvPr id="12" name="TextBox 11">
+            <a:extLst>
+              <a:ext uri="{FF2B5EF4-FFF2-40B4-BE49-F238E27FC236}">
+                <a16:creationId xmlns:a16="http://schemas.microsoft.com/office/drawing/2014/main" id="{125F5C9D-B38C-40E6-A171-E6027E7E568D}"/>
+              </a:ext>
+            </a:extLst>
+          </p:cNvPr>
+          <p:cNvSpPr txBox="1"/>
+          <p:nvPr/>
+        </p:nvSpPr>
+        <p:spPr>
+          <a:xfrm>
+            <a:off x="7643673" y="4429957"/>
+            <a:ext cx="4429958" cy="923330"/>
+          </a:xfrm>
+          <a:prstGeom prst="rect">
+            <a:avLst/>
+          </a:prstGeom>
+          <a:noFill/>
+        </p:spPr>
+        <p:txBody>
+          <a:bodyPr wrap="square" rtlCol="0">
+            <a:spAutoFit/>
+          </a:bodyPr>
+          <a:lstStyle/>
+          <a:p>
+            <a:r>
+              <a:rPr lang="en-US"/>
+              <a:t>Thiết kế cho Web, Degital thì để hệ màu RGB.</a:t>
+            </a:r>
+          </a:p>
           <a:p>
             <a:endParaRPr lang="en-US"/>
           </a:p>
-        </p:txBody>
-      </p:sp>
+          <a:p>
+            <a:r>
+              <a:rPr lang="en-US"/>
+              <a:t>In ấn thì để hệ màu: CMYK</a:t>
+            </a:r>
+          </a:p>
+        </p:txBody>
+      </p:sp>
+      <p:sp>
+        <p:nvSpPr>
+          <p:cNvPr id="13" name="Rectangle 12">
+            <a:extLst>
+              <a:ext uri="{FF2B5EF4-FFF2-40B4-BE49-F238E27FC236}">
+                <a16:creationId xmlns:a16="http://schemas.microsoft.com/office/drawing/2014/main" id="{8A89C1B7-21B8-4494-81A3-50EF5C86CEC8}"/>
+              </a:ext>
+            </a:extLst>
+          </p:cNvPr>
+          <p:cNvSpPr/>
+          <p:nvPr/>
+        </p:nvSpPr>
+        <p:spPr>
+          <a:xfrm>
+            <a:off x="5140171" y="4145872"/>
+            <a:ext cx="1260629" cy="355107"/>
+          </a:xfrm>
+          <a:prstGeom prst="rect">
+            <a:avLst/>
+          </a:prstGeom>
+          <a:noFill/>
+        </p:spPr>
+        <p:style>
+          <a:lnRef idx="2">
+            <a:schemeClr val="accent2">
+              <a:shade val="50000"/>
+            </a:schemeClr>
+          </a:lnRef>
+          <a:fillRef idx="1">
+            <a:schemeClr val="accent2"/>
+          </a:fillRef>
+          <a:effectRef idx="0">
+            <a:schemeClr val="accent2"/>
+          </a:effectRef>
+          <a:fontRef idx="minor">
+            <a:schemeClr val="lt1"/>
+          </a:fontRef>
+        </p:style>
+        <p:txBody>
+          <a:bodyPr rtlCol="0" anchor="ctr"/>
+          <a:lstStyle/>
+          <a:p>
+            <a:pPr algn="ctr"/>
+            <a:endParaRPr lang="en-US"/>
+          </a:p>
+        </p:txBody>
+      </p:sp>
+      <p:cxnSp>
+        <p:nvCxnSpPr>
+          <p:cNvPr id="15" name="Straight Arrow Connector 14">
+            <a:extLst>
+              <a:ext uri="{FF2B5EF4-FFF2-40B4-BE49-F238E27FC236}">
+                <a16:creationId xmlns:a16="http://schemas.microsoft.com/office/drawing/2014/main" id="{752E1D22-567D-49E2-9E17-BBC61573B3D4}"/>
+              </a:ext>
+            </a:extLst>
+          </p:cNvPr>
+          <p:cNvCxnSpPr>
+            <a:cxnSpLocks/>
+          </p:cNvCxnSpPr>
+          <p:nvPr/>
+        </p:nvCxnSpPr>
+        <p:spPr>
+          <a:xfrm>
+            <a:off x="6471821" y="4429957"/>
+            <a:ext cx="1100831" cy="177554"/>
+          </a:xfrm>
+          <a:prstGeom prst="straightConnector1">
+            <a:avLst/>
+          </a:prstGeom>
+          <a:ln>
+            <a:tailEnd type="triangle"/>
+          </a:ln>
+        </p:spPr>
+        <p:style>
+          <a:lnRef idx="1">
+            <a:schemeClr val="dk1"/>
+          </a:lnRef>
+          <a:fillRef idx="0">
+            <a:schemeClr val="dk1"/>
+          </a:fillRef>
+          <a:effectRef idx="0">
+            <a:schemeClr val="dk1"/>
+          </a:effectRef>
+          <a:fontRef idx="minor">
+            <a:schemeClr val="tx1"/>
+          </a:fontRef>
+        </p:style>
+      </p:cxnSp>
     </p:spTree>
     <p:extLst>
       <p:ext uri="{BB962C8B-B14F-4D97-AF65-F5344CB8AC3E}">
@@ -4301,37 +4632,250 @@
             <p:ph type="title"/>
           </p:nvPr>
         </p:nvSpPr>
-        <p:spPr/>
-        <p:txBody>
-          <a:bodyPr/>
-          <a:lstStyle/>
-          <a:p>
+        <p:spPr>
+          <a:xfrm>
+            <a:off x="0" y="0"/>
+            <a:ext cx="10515600" cy="895504"/>
+          </a:xfrm>
+        </p:spPr>
+        <p:txBody>
+          <a:bodyPr/>
+          <a:lstStyle/>
+          <a:p>
+            <a:r>
+              <a:rPr lang="en-US"/>
+              <a:t>Chèn BackGround vào tr</a:t>
+            </a:r>
+            <a:r>
+              <a:rPr lang="vi-VN"/>
+              <a:t>ư</a:t>
+            </a:r>
+            <a:r>
+              <a:rPr lang="en-US"/>
+              <a:t>ớc:</a:t>
+            </a:r>
+          </a:p>
+        </p:txBody>
+      </p:sp>
+      <p:pic>
+        <p:nvPicPr>
+          <p:cNvPr id="4" name="Content Placeholder 3">
+            <a:extLst>
+              <a:ext uri="{FF2B5EF4-FFF2-40B4-BE49-F238E27FC236}">
+                <a16:creationId xmlns:a16="http://schemas.microsoft.com/office/drawing/2014/main" id="{BF0A667D-7EEB-4B40-A2F5-EC3F83744A10}"/>
+              </a:ext>
+            </a:extLst>
+          </p:cNvPr>
+          <p:cNvPicPr>
+            <a:picLocks noGrp="1" noChangeAspect="1"/>
+          </p:cNvPicPr>
+          <p:nvPr>
+            <p:ph idx="1"/>
+          </p:nvPr>
+        </p:nvPicPr>
+        <p:blipFill>
+          <a:blip r:embed="rId2"/>
+          <a:stretch>
+            <a:fillRect/>
+          </a:stretch>
+        </p:blipFill>
+        <p:spPr>
+          <a:xfrm>
+            <a:off x="8340165" y="1714534"/>
+            <a:ext cx="2619741" cy="847843"/>
+          </a:xfrm>
+          <a:prstGeom prst="rect">
+            <a:avLst/>
+          </a:prstGeom>
+        </p:spPr>
+      </p:pic>
+      <p:pic>
+        <p:nvPicPr>
+          <p:cNvPr id="5" name="Picture 4">
+            <a:extLst>
+              <a:ext uri="{FF2B5EF4-FFF2-40B4-BE49-F238E27FC236}">
+                <a16:creationId xmlns:a16="http://schemas.microsoft.com/office/drawing/2014/main" id="{55A66B25-732F-4F6C-9730-192A11A741F7}"/>
+              </a:ext>
+            </a:extLst>
+          </p:cNvPr>
+          <p:cNvPicPr>
+            <a:picLocks noChangeAspect="1"/>
+          </p:cNvPicPr>
+          <p:nvPr/>
+        </p:nvPicPr>
+        <p:blipFill>
+          <a:blip r:embed="rId3"/>
+          <a:stretch>
+            <a:fillRect/>
+          </a:stretch>
+        </p:blipFill>
+        <p:spPr>
+          <a:xfrm>
+            <a:off x="1025819" y="1276050"/>
+            <a:ext cx="5506218" cy="2152950"/>
+          </a:xfrm>
+          <a:prstGeom prst="rect">
+            <a:avLst/>
+          </a:prstGeom>
+        </p:spPr>
+      </p:pic>
+      <p:cxnSp>
+        <p:nvCxnSpPr>
+          <p:cNvPr id="7" name="Straight Arrow Connector 6">
+            <a:extLst>
+              <a:ext uri="{FF2B5EF4-FFF2-40B4-BE49-F238E27FC236}">
+                <a16:creationId xmlns:a16="http://schemas.microsoft.com/office/drawing/2014/main" id="{41667B58-ACBD-46B3-B4B1-E163E0BC0187}"/>
+              </a:ext>
+            </a:extLst>
+          </p:cNvPr>
+          <p:cNvCxnSpPr/>
+          <p:nvPr/>
+        </p:nvCxnSpPr>
+        <p:spPr>
+          <a:xfrm>
+            <a:off x="6640497" y="2166151"/>
+            <a:ext cx="1580225" cy="0"/>
+          </a:xfrm>
+          <a:prstGeom prst="straightConnector1">
+            <a:avLst/>
+          </a:prstGeom>
+          <a:ln>
+            <a:tailEnd type="triangle"/>
+          </a:ln>
+        </p:spPr>
+        <p:style>
+          <a:lnRef idx="1">
+            <a:schemeClr val="accent1"/>
+          </a:lnRef>
+          <a:fillRef idx="0">
+            <a:schemeClr val="accent1"/>
+          </a:fillRef>
+          <a:effectRef idx="0">
+            <a:schemeClr val="accent1"/>
+          </a:effectRef>
+          <a:fontRef idx="minor">
+            <a:schemeClr val="tx1"/>
+          </a:fontRef>
+        </p:style>
+      </p:cxnSp>
+      <p:cxnSp>
+        <p:nvCxnSpPr>
+          <p:cNvPr id="9" name="Straight Arrow Connector 8">
+            <a:extLst>
+              <a:ext uri="{FF2B5EF4-FFF2-40B4-BE49-F238E27FC236}">
+                <a16:creationId xmlns:a16="http://schemas.microsoft.com/office/drawing/2014/main" id="{FA0B909C-8316-45C4-A5F4-97B54729F5EE}"/>
+              </a:ext>
+            </a:extLst>
+          </p:cNvPr>
+          <p:cNvCxnSpPr/>
+          <p:nvPr/>
+        </p:nvCxnSpPr>
+        <p:spPr>
+          <a:xfrm flipH="1">
+            <a:off x="9774315" y="1997476"/>
+            <a:ext cx="532660" cy="2343705"/>
+          </a:xfrm>
+          <a:prstGeom prst="straightConnector1">
+            <a:avLst/>
+          </a:prstGeom>
+          <a:ln>
+            <a:tailEnd type="triangle"/>
+          </a:ln>
+        </p:spPr>
+        <p:style>
+          <a:lnRef idx="1">
+            <a:schemeClr val="accent2"/>
+          </a:lnRef>
+          <a:fillRef idx="0">
+            <a:schemeClr val="accent2"/>
+          </a:fillRef>
+          <a:effectRef idx="0">
+            <a:schemeClr val="accent2"/>
+          </a:effectRef>
+          <a:fontRef idx="minor">
+            <a:schemeClr val="tx1"/>
+          </a:fontRef>
+        </p:style>
+      </p:cxnSp>
+      <p:sp>
+        <p:nvSpPr>
+          <p:cNvPr id="10" name="Rectangle 9">
+            <a:extLst>
+              <a:ext uri="{FF2B5EF4-FFF2-40B4-BE49-F238E27FC236}">
+                <a16:creationId xmlns:a16="http://schemas.microsoft.com/office/drawing/2014/main" id="{021214DF-DEDA-4ED5-BB4C-BD0CA12D942F}"/>
+              </a:ext>
+            </a:extLst>
+          </p:cNvPr>
+          <p:cNvSpPr/>
+          <p:nvPr/>
+        </p:nvSpPr>
+        <p:spPr>
+          <a:xfrm>
+            <a:off x="9747682" y="1714534"/>
+            <a:ext cx="1212224" cy="362841"/>
+          </a:xfrm>
+          <a:prstGeom prst="rect">
+            <a:avLst/>
+          </a:prstGeom>
+          <a:noFill/>
+        </p:spPr>
+        <p:style>
+          <a:lnRef idx="2">
+            <a:schemeClr val="accent2">
+              <a:shade val="50000"/>
+            </a:schemeClr>
+          </a:lnRef>
+          <a:fillRef idx="1">
+            <a:schemeClr val="accent2"/>
+          </a:fillRef>
+          <a:effectRef idx="0">
+            <a:schemeClr val="accent2"/>
+          </a:effectRef>
+          <a:fontRef idx="minor">
+            <a:schemeClr val="lt1"/>
+          </a:fontRef>
+        </p:style>
+        <p:txBody>
+          <a:bodyPr rtlCol="0" anchor="ctr"/>
+          <a:lstStyle/>
+          <a:p>
+            <a:pPr algn="ctr"/>
             <a:endParaRPr lang="en-US"/>
           </a:p>
         </p:txBody>
       </p:sp>
       <p:sp>
         <p:nvSpPr>
-          <p:cNvPr id="3" name="Content Placeholder 2">
-            <a:extLst>
-              <a:ext uri="{FF2B5EF4-FFF2-40B4-BE49-F238E27FC236}">
-                <a16:creationId xmlns:a16="http://schemas.microsoft.com/office/drawing/2014/main" id="{C78A6BD0-2123-43D3-8E27-2E22FD6CC654}"/>
-              </a:ext>
-            </a:extLst>
-          </p:cNvPr>
-          <p:cNvSpPr>
-            <a:spLocks noGrp="1"/>
-          </p:cNvSpPr>
-          <p:nvPr>
-            <p:ph idx="1"/>
-          </p:nvPr>
-        </p:nvSpPr>
-        <p:spPr/>
-        <p:txBody>
-          <a:bodyPr/>
-          <a:lstStyle/>
-          <a:p>
-            <a:endParaRPr lang="en-US"/>
+          <p:cNvPr id="11" name="TextBox 10">
+            <a:extLst>
+              <a:ext uri="{FF2B5EF4-FFF2-40B4-BE49-F238E27FC236}">
+                <a16:creationId xmlns:a16="http://schemas.microsoft.com/office/drawing/2014/main" id="{913168BA-961F-4ABC-B0DD-B713C49685DA}"/>
+              </a:ext>
+            </a:extLst>
+          </p:cNvPr>
+          <p:cNvSpPr txBox="1"/>
+          <p:nvPr/>
+        </p:nvSpPr>
+        <p:spPr>
+          <a:xfrm>
+            <a:off x="7608163" y="4341181"/>
+            <a:ext cx="4323425" cy="369332"/>
+          </a:xfrm>
+          <a:prstGeom prst="rect">
+            <a:avLst/>
+          </a:prstGeom>
+          <a:noFill/>
+        </p:spPr>
+        <p:txBody>
+          <a:bodyPr wrap="square" rtlCol="0">
+            <a:spAutoFit/>
+          </a:bodyPr>
+          <a:lstStyle/>
+          <a:p>
+            <a:r>
+              <a:rPr lang="en-US"/>
+              <a:t>Tăng Giảm độ hiển thị của hình ảnh.</a:t>
+            </a:r>
           </a:p>
         </p:txBody>
       </p:sp>
@@ -4386,32 +4930,124 @@
           <a:bodyPr/>
           <a:lstStyle/>
           <a:p>
-            <a:endParaRPr lang="en-US"/>
-          </a:p>
-        </p:txBody>
-      </p:sp>
-      <p:sp>
-        <p:nvSpPr>
-          <p:cNvPr id="3" name="Content Placeholder 2">
-            <a:extLst>
-              <a:ext uri="{FF2B5EF4-FFF2-40B4-BE49-F238E27FC236}">
-                <a16:creationId xmlns:a16="http://schemas.microsoft.com/office/drawing/2014/main" id="{ED22AFDE-2383-4D83-8ABA-22A7ECC83EB3}"/>
-              </a:ext>
-            </a:extLst>
-          </p:cNvPr>
-          <p:cNvSpPr>
-            <a:spLocks noGrp="1"/>
-          </p:cNvSpPr>
-          <p:nvPr>
-            <p:ph idx="1"/>
-          </p:nvPr>
-        </p:nvSpPr>
-        <p:spPr/>
-        <p:txBody>
-          <a:bodyPr/>
-          <a:lstStyle/>
-          <a:p>
-            <a:endParaRPr lang="en-US"/>
+            <a:r>
+              <a:rPr lang="en-US"/>
+              <a:t>Cứ cho hết các hình ảnh vào và sẽ chỉnh sửa sau.</a:t>
+            </a:r>
+          </a:p>
+        </p:txBody>
+      </p:sp>
+      <p:pic>
+        <p:nvPicPr>
+          <p:cNvPr id="4" name="Picture 3">
+            <a:extLst>
+              <a:ext uri="{FF2B5EF4-FFF2-40B4-BE49-F238E27FC236}">
+                <a16:creationId xmlns:a16="http://schemas.microsoft.com/office/drawing/2014/main" id="{7A5C0578-9CA7-42DC-B2FD-81CE38AC9CAA}"/>
+              </a:ext>
+            </a:extLst>
+          </p:cNvPr>
+          <p:cNvPicPr>
+            <a:picLocks noChangeAspect="1"/>
+          </p:cNvPicPr>
+          <p:nvPr/>
+        </p:nvPicPr>
+        <p:blipFill>
+          <a:blip r:embed="rId2"/>
+          <a:stretch>
+            <a:fillRect/>
+          </a:stretch>
+        </p:blipFill>
+        <p:spPr>
+          <a:xfrm>
+            <a:off x="506027" y="1894876"/>
+            <a:ext cx="5673404" cy="2819272"/>
+          </a:xfrm>
+          <a:prstGeom prst="rect">
+            <a:avLst/>
+          </a:prstGeom>
+        </p:spPr>
+      </p:pic>
+      <p:cxnSp>
+        <p:nvCxnSpPr>
+          <p:cNvPr id="6" name="Straight Arrow Connector 5">
+            <a:extLst>
+              <a:ext uri="{FF2B5EF4-FFF2-40B4-BE49-F238E27FC236}">
+                <a16:creationId xmlns:a16="http://schemas.microsoft.com/office/drawing/2014/main" id="{8084CA7F-1063-4EB5-8398-ADF5CFE7B896}"/>
+              </a:ext>
+            </a:extLst>
+          </p:cNvPr>
+          <p:cNvCxnSpPr>
+            <a:cxnSpLocks/>
+          </p:cNvCxnSpPr>
+          <p:nvPr/>
+        </p:nvCxnSpPr>
+        <p:spPr>
+          <a:xfrm>
+            <a:off x="6241002" y="2636668"/>
+            <a:ext cx="1757779" cy="71021"/>
+          </a:xfrm>
+          <a:prstGeom prst="straightConnector1">
+            <a:avLst/>
+          </a:prstGeom>
+          <a:ln>
+            <a:tailEnd type="triangle"/>
+          </a:ln>
+        </p:spPr>
+        <p:style>
+          <a:lnRef idx="1">
+            <a:schemeClr val="dk1"/>
+          </a:lnRef>
+          <a:fillRef idx="0">
+            <a:schemeClr val="dk1"/>
+          </a:fillRef>
+          <a:effectRef idx="0">
+            <a:schemeClr val="dk1"/>
+          </a:effectRef>
+          <a:fontRef idx="minor">
+            <a:schemeClr val="tx1"/>
+          </a:fontRef>
+        </p:style>
+      </p:cxnSp>
+      <p:sp>
+        <p:nvSpPr>
+          <p:cNvPr id="8" name="TextBox 7">
+            <a:extLst>
+              <a:ext uri="{FF2B5EF4-FFF2-40B4-BE49-F238E27FC236}">
+                <a16:creationId xmlns:a16="http://schemas.microsoft.com/office/drawing/2014/main" id="{C83AB5E2-1FD1-4FB3-934F-25EE894E7D1D}"/>
+              </a:ext>
+            </a:extLst>
+          </p:cNvPr>
+          <p:cNvSpPr txBox="1"/>
+          <p:nvPr/>
+        </p:nvSpPr>
+        <p:spPr>
+          <a:xfrm>
+            <a:off x="8291744" y="2317072"/>
+            <a:ext cx="3542190" cy="646331"/>
+          </a:xfrm>
+          <a:prstGeom prst="rect">
+            <a:avLst/>
+          </a:prstGeom>
+          <a:noFill/>
+        </p:spPr>
+        <p:txBody>
+          <a:bodyPr wrap="square" rtlCol="0">
+            <a:spAutoFit/>
+          </a:bodyPr>
+          <a:lstStyle/>
+          <a:p>
+            <a:r>
+              <a:rPr lang="en-US"/>
+              <a:t>Có thể gom nhóm đối t</a:t>
+            </a:r>
+            <a:r>
+              <a:rPr lang="vi-VN"/>
+              <a:t>ư</a:t>
+            </a:r>
+            <a:r>
+              <a:rPr lang="en-US"/>
+              <a:t>ợng lại để dễ quản lý.</a:t>
+            </a:r>
           </a:p>
         </p:txBody>
       </p:sp>
@@ -4461,37 +5097,187 @@
             <p:ph type="title"/>
           </p:nvPr>
         </p:nvSpPr>
-        <p:spPr/>
-        <p:txBody>
-          <a:bodyPr/>
-          <a:lstStyle/>
-          <a:p>
-            <a:endParaRPr lang="en-US"/>
-          </a:p>
-        </p:txBody>
-      </p:sp>
-      <p:sp>
-        <p:nvSpPr>
-          <p:cNvPr id="3" name="Content Placeholder 2">
-            <a:extLst>
-              <a:ext uri="{FF2B5EF4-FFF2-40B4-BE49-F238E27FC236}">
-                <a16:creationId xmlns:a16="http://schemas.microsoft.com/office/drawing/2014/main" id="{DC0265AF-4BE8-4F37-B82E-2836462A993E}"/>
-              </a:ext>
-            </a:extLst>
-          </p:cNvPr>
-          <p:cNvSpPr>
-            <a:spLocks noGrp="1"/>
-          </p:cNvSpPr>
-          <p:nvPr>
-            <p:ph idx="1"/>
-          </p:nvPr>
-        </p:nvSpPr>
-        <p:spPr/>
-        <p:txBody>
-          <a:bodyPr/>
-          <a:lstStyle/>
-          <a:p>
-            <a:endParaRPr lang="en-US"/>
+        <p:spPr>
+          <a:xfrm>
+            <a:off x="145742" y="0"/>
+            <a:ext cx="10515600" cy="540397"/>
+          </a:xfrm>
+        </p:spPr>
+        <p:txBody>
+          <a:bodyPr>
+            <a:normAutofit fontScale="90000"/>
+          </a:bodyPr>
+          <a:lstStyle/>
+          <a:p>
+            <a:r>
+              <a:rPr lang="en-US"/>
+              <a:t>Xử lý phần viền chuyển giữa các bức ảnh.</a:t>
+            </a:r>
+          </a:p>
+        </p:txBody>
+      </p:sp>
+      <p:pic>
+        <p:nvPicPr>
+          <p:cNvPr id="4" name="Picture 3">
+            <a:extLst>
+              <a:ext uri="{FF2B5EF4-FFF2-40B4-BE49-F238E27FC236}">
+                <a16:creationId xmlns:a16="http://schemas.microsoft.com/office/drawing/2014/main" id="{3F5C4860-11B7-48D3-BAFD-D4FC5ED06266}"/>
+              </a:ext>
+            </a:extLst>
+          </p:cNvPr>
+          <p:cNvPicPr>
+            <a:picLocks noChangeAspect="1"/>
+          </p:cNvPicPr>
+          <p:nvPr/>
+        </p:nvPicPr>
+        <p:blipFill>
+          <a:blip r:embed="rId2"/>
+          <a:stretch>
+            <a:fillRect/>
+          </a:stretch>
+        </p:blipFill>
+        <p:spPr>
+          <a:xfrm>
+            <a:off x="331433" y="663729"/>
+            <a:ext cx="5268060" cy="2095792"/>
+          </a:xfrm>
+          <a:prstGeom prst="rect">
+            <a:avLst/>
+          </a:prstGeom>
+        </p:spPr>
+      </p:pic>
+      <p:sp>
+        <p:nvSpPr>
+          <p:cNvPr id="5" name="TextBox 4">
+            <a:extLst>
+              <a:ext uri="{FF2B5EF4-FFF2-40B4-BE49-F238E27FC236}">
+                <a16:creationId xmlns:a16="http://schemas.microsoft.com/office/drawing/2014/main" id="{B73170A9-4C15-4E02-AAFF-9C5996EA3C13}"/>
+              </a:ext>
+            </a:extLst>
+          </p:cNvPr>
+          <p:cNvSpPr txBox="1"/>
+          <p:nvPr/>
+        </p:nvSpPr>
+        <p:spPr>
+          <a:xfrm>
+            <a:off x="5856303" y="852256"/>
+            <a:ext cx="5764567" cy="369332"/>
+          </a:xfrm>
+          <a:prstGeom prst="rect">
+            <a:avLst/>
+          </a:prstGeom>
+          <a:noFill/>
+        </p:spPr>
+        <p:txBody>
+          <a:bodyPr wrap="square" rtlCol="0">
+            <a:spAutoFit/>
+          </a:bodyPr>
+          <a:lstStyle/>
+          <a:p>
+            <a:r>
+              <a:rPr lang="en-US"/>
+              <a:t>Tạo mặt nạ và sử dụng công cụ boot B</a:t>
+            </a:r>
+          </a:p>
+        </p:txBody>
+      </p:sp>
+      <p:pic>
+        <p:nvPicPr>
+          <p:cNvPr id="6" name="Picture 5">
+            <a:extLst>
+              <a:ext uri="{FF2B5EF4-FFF2-40B4-BE49-F238E27FC236}">
+                <a16:creationId xmlns:a16="http://schemas.microsoft.com/office/drawing/2014/main" id="{776A6FAE-A6A3-4BF1-8F30-A71C29AB59AD}"/>
+              </a:ext>
+            </a:extLst>
+          </p:cNvPr>
+          <p:cNvPicPr>
+            <a:picLocks noChangeAspect="1"/>
+          </p:cNvPicPr>
+          <p:nvPr/>
+        </p:nvPicPr>
+        <p:blipFill>
+          <a:blip r:embed="rId3"/>
+          <a:stretch>
+            <a:fillRect/>
+          </a:stretch>
+        </p:blipFill>
+        <p:spPr>
+          <a:xfrm>
+            <a:off x="145742" y="3133816"/>
+            <a:ext cx="9602540" cy="2736441"/>
+          </a:xfrm>
+          <a:prstGeom prst="rect">
+            <a:avLst/>
+          </a:prstGeom>
+        </p:spPr>
+      </p:pic>
+      <p:sp>
+        <p:nvSpPr>
+          <p:cNvPr id="7" name="TextBox 6">
+            <a:extLst>
+              <a:ext uri="{FF2B5EF4-FFF2-40B4-BE49-F238E27FC236}">
+                <a16:creationId xmlns:a16="http://schemas.microsoft.com/office/drawing/2014/main" id="{DB87BDB5-36E3-4641-B32A-A82E594A568D}"/>
+              </a:ext>
+            </a:extLst>
+          </p:cNvPr>
+          <p:cNvSpPr txBox="1"/>
+          <p:nvPr/>
+        </p:nvSpPr>
+        <p:spPr>
+          <a:xfrm>
+            <a:off x="266330" y="6125592"/>
+            <a:ext cx="11523216" cy="369332"/>
+          </a:xfrm>
+          <a:prstGeom prst="rect">
+            <a:avLst/>
+          </a:prstGeom>
+          <a:noFill/>
+        </p:spPr>
+        <p:txBody>
+          <a:bodyPr wrap="square" rtlCol="0">
+            <a:spAutoFit/>
+          </a:bodyPr>
+          <a:lstStyle/>
+          <a:p>
+            <a:r>
+              <a:rPr lang="en-US"/>
+              <a:t>Tạo cho cô gái một lớp mặt nạ và sử dụng công cụ Boot B.</a:t>
+            </a:r>
+          </a:p>
+        </p:txBody>
+      </p:sp>
+      <p:sp>
+        <p:nvSpPr>
+          <p:cNvPr id="8" name="TextBox 7">
+            <a:extLst>
+              <a:ext uri="{FF2B5EF4-FFF2-40B4-BE49-F238E27FC236}">
+                <a16:creationId xmlns:a16="http://schemas.microsoft.com/office/drawing/2014/main" id="{BC9F800E-632C-4254-8187-D0345CB7A948}"/>
+              </a:ext>
+            </a:extLst>
+          </p:cNvPr>
+          <p:cNvSpPr txBox="1"/>
+          <p:nvPr/>
+        </p:nvSpPr>
+        <p:spPr>
+          <a:xfrm>
+            <a:off x="6986727" y="5974672"/>
+            <a:ext cx="4938944" cy="369332"/>
+          </a:xfrm>
+          <a:prstGeom prst="rect">
+            <a:avLst/>
+          </a:prstGeom>
+          <a:noFill/>
+        </p:spPr>
+        <p:txBody>
+          <a:bodyPr wrap="square" rtlCol="0">
+            <a:spAutoFit/>
+          </a:bodyPr>
+          <a:lstStyle/>
+          <a:p>
+            <a:r>
+              <a:rPr lang="en-US"/>
+              <a:t>Mặt nạ: trắng là hiển thị và đen là che đi.</a:t>
+            </a:r>
           </a:p>
         </p:txBody>
       </p:sp>
@@ -4541,12 +5327,22 @@
             <p:ph type="title"/>
           </p:nvPr>
         </p:nvSpPr>
-        <p:spPr/>
-        <p:txBody>
-          <a:bodyPr/>
-          <a:lstStyle/>
-          <a:p>
-            <a:endParaRPr lang="en-US"/>
+        <p:spPr>
+          <a:xfrm>
+            <a:off x="0" y="-1"/>
+            <a:ext cx="12049957" cy="612559"/>
+          </a:xfrm>
+        </p:spPr>
+        <p:txBody>
+          <a:bodyPr>
+            <a:normAutofit fontScale="90000"/>
+          </a:bodyPr>
+          <a:lstStyle/>
+          <a:p>
+            <a:r>
+              <a:rPr lang="en-US"/>
+              <a:t>Sử dụng công cụ G để chuyển màu giữa 2 vùng ảnh.</a:t>
+            </a:r>
           </a:p>
         </p:txBody>
       </p:sp>

--- a/THIẾT KẾ BANNER.pptx
+++ b/THIẾT KẾ BANNER.pptx
@@ -271,7 +271,7 @@
           <a:p>
             <a:fld id="{78F1B958-4B67-4419-8296-1FCB0C2B0E0E}" type="datetimeFigureOut">
               <a:rPr lang="en-US" smtClean="0"/>
-              <a:t>30/08/2024</a:t>
+              <a:t>02/09/2024</a:t>
             </a:fld>
             <a:endParaRPr lang="en-US"/>
           </a:p>
@@ -469,7 +469,7 @@
           <a:p>
             <a:fld id="{78F1B958-4B67-4419-8296-1FCB0C2B0E0E}" type="datetimeFigureOut">
               <a:rPr lang="en-US" smtClean="0"/>
-              <a:t>30/08/2024</a:t>
+              <a:t>02/09/2024</a:t>
             </a:fld>
             <a:endParaRPr lang="en-US"/>
           </a:p>
@@ -677,7 +677,7 @@
           <a:p>
             <a:fld id="{78F1B958-4B67-4419-8296-1FCB0C2B0E0E}" type="datetimeFigureOut">
               <a:rPr lang="en-US" smtClean="0"/>
-              <a:t>30/08/2024</a:t>
+              <a:t>02/09/2024</a:t>
             </a:fld>
             <a:endParaRPr lang="en-US"/>
           </a:p>
@@ -875,7 +875,7 @@
           <a:p>
             <a:fld id="{78F1B958-4B67-4419-8296-1FCB0C2B0E0E}" type="datetimeFigureOut">
               <a:rPr lang="en-US" smtClean="0"/>
-              <a:t>30/08/2024</a:t>
+              <a:t>02/09/2024</a:t>
             </a:fld>
             <a:endParaRPr lang="en-US"/>
           </a:p>
@@ -1150,7 +1150,7 @@
           <a:p>
             <a:fld id="{78F1B958-4B67-4419-8296-1FCB0C2B0E0E}" type="datetimeFigureOut">
               <a:rPr lang="en-US" smtClean="0"/>
-              <a:t>30/08/2024</a:t>
+              <a:t>02/09/2024</a:t>
             </a:fld>
             <a:endParaRPr lang="en-US"/>
           </a:p>
@@ -1415,7 +1415,7 @@
           <a:p>
             <a:fld id="{78F1B958-4B67-4419-8296-1FCB0C2B0E0E}" type="datetimeFigureOut">
               <a:rPr lang="en-US" smtClean="0"/>
-              <a:t>30/08/2024</a:t>
+              <a:t>02/09/2024</a:t>
             </a:fld>
             <a:endParaRPr lang="en-US"/>
           </a:p>
@@ -1827,7 +1827,7 @@
           <a:p>
             <a:fld id="{78F1B958-4B67-4419-8296-1FCB0C2B0E0E}" type="datetimeFigureOut">
               <a:rPr lang="en-US" smtClean="0"/>
-              <a:t>30/08/2024</a:t>
+              <a:t>02/09/2024</a:t>
             </a:fld>
             <a:endParaRPr lang="en-US"/>
           </a:p>
@@ -1968,7 +1968,7 @@
           <a:p>
             <a:fld id="{78F1B958-4B67-4419-8296-1FCB0C2B0E0E}" type="datetimeFigureOut">
               <a:rPr lang="en-US" smtClean="0"/>
-              <a:t>30/08/2024</a:t>
+              <a:t>02/09/2024</a:t>
             </a:fld>
             <a:endParaRPr lang="en-US"/>
           </a:p>
@@ -2081,7 +2081,7 @@
           <a:p>
             <a:fld id="{78F1B958-4B67-4419-8296-1FCB0C2B0E0E}" type="datetimeFigureOut">
               <a:rPr lang="en-US" smtClean="0"/>
-              <a:t>30/08/2024</a:t>
+              <a:t>02/09/2024</a:t>
             </a:fld>
             <a:endParaRPr lang="en-US"/>
           </a:p>
@@ -2392,7 +2392,7 @@
           <a:p>
             <a:fld id="{78F1B958-4B67-4419-8296-1FCB0C2B0E0E}" type="datetimeFigureOut">
               <a:rPr lang="en-US" smtClean="0"/>
-              <a:t>30/08/2024</a:t>
+              <a:t>02/09/2024</a:t>
             </a:fld>
             <a:endParaRPr lang="en-US"/>
           </a:p>
@@ -2680,7 +2680,7 @@
           <a:p>
             <a:fld id="{78F1B958-4B67-4419-8296-1FCB0C2B0E0E}" type="datetimeFigureOut">
               <a:rPr lang="en-US" smtClean="0"/>
-              <a:t>30/08/2024</a:t>
+              <a:t>02/09/2024</a:t>
             </a:fld>
             <a:endParaRPr lang="en-US"/>
           </a:p>
@@ -2921,7 +2921,7 @@
           <a:p>
             <a:fld id="{78F1B958-4B67-4419-8296-1FCB0C2B0E0E}" type="datetimeFigureOut">
               <a:rPr lang="en-US" smtClean="0"/>
-              <a:t>30/08/2024</a:t>
+              <a:t>02/09/2024</a:t>
             </a:fld>
             <a:endParaRPr lang="en-US"/>
           </a:p>
